--- a/LINUX CLI BASICS.pptx
+++ b/LINUX CLI BASICS.pptx
@@ -4551,7 +4551,59 @@
           <a:bodyPr/>
           <a:lstStyle/>
           <a:p>
-            <a:endParaRPr lang="en-US"/>
+            <a:r>
+              <a:rPr lang="en-US" dirty="0"/>
+              <a:t>The general command structure is </a:t>
+            </a:r>
+          </a:p>
+          <a:p>
+            <a:pPr marL="1371600" lvl="3" indent="0">
+              <a:buNone/>
+            </a:pPr>
+            <a:endParaRPr lang="en-US" sz="1800" dirty="0">
+              <a:latin typeface="Arial Unicode MS" panose="020B0604020202020204" pitchFamily="34" charset="-128"/>
+              <a:ea typeface="Arial Unicode MS" panose="020B0604020202020204" pitchFamily="34" charset="-128"/>
+              <a:cs typeface="Arial Unicode MS" panose="020B0604020202020204" pitchFamily="34" charset="-128"/>
+            </a:endParaRPr>
+          </a:p>
+          <a:p>
+            <a:pPr marL="1371600" lvl="3" indent="0">
+              <a:buNone/>
+            </a:pPr>
+            <a:r>
+              <a:rPr lang="en-US" sz="1800" dirty="0">
+                <a:latin typeface="Arial Unicode MS" panose="020B0604020202020204" pitchFamily="34" charset="-128"/>
+                <a:ea typeface="Arial Unicode MS" panose="020B0604020202020204" pitchFamily="34" charset="-128"/>
+                <a:cs typeface="Arial Unicode MS" panose="020B0604020202020204" pitchFamily="34" charset="-128"/>
+              </a:rPr>
+              <a:t>“Commands”    </a:t>
+            </a:r>
+          </a:p>
+          <a:p>
+            <a:pPr marL="1371600" lvl="3" indent="0">
+              <a:buNone/>
+            </a:pPr>
+            <a:r>
+              <a:rPr lang="en-US" sz="1800" dirty="0">
+                <a:latin typeface="Arial Unicode MS" panose="020B0604020202020204" pitchFamily="34" charset="-128"/>
+                <a:ea typeface="Arial Unicode MS" panose="020B0604020202020204" pitchFamily="34" charset="-128"/>
+                <a:cs typeface="Arial Unicode MS" panose="020B0604020202020204" pitchFamily="34" charset="-128"/>
+              </a:rPr>
+              <a:t>“Options” </a:t>
+            </a:r>
+          </a:p>
+          <a:p>
+            <a:pPr marL="1371600" lvl="3" indent="0">
+              <a:buNone/>
+            </a:pPr>
+            <a:r>
+              <a:rPr lang="en-US" sz="1800" dirty="0">
+                <a:latin typeface="Arial Unicode MS" panose="020B0604020202020204" pitchFamily="34" charset="-128"/>
+                <a:ea typeface="Arial Unicode MS" panose="020B0604020202020204" pitchFamily="34" charset="-128"/>
+                <a:cs typeface="Arial Unicode MS" panose="020B0604020202020204" pitchFamily="34" charset="-128"/>
+              </a:rPr>
+              <a:t>“ Arguments”</a:t>
+            </a:r>
           </a:p>
         </p:txBody>
       </p:sp>
@@ -4613,31 +4665,35 @@
           </a:p>
         </p:txBody>
       </p:sp>
-      <p:sp>
-        <p:nvSpPr>
-          <p:cNvPr id="3" name="Content Placeholder 2">
+      <p:pic>
+        <p:nvPicPr>
+          <p:cNvPr id="5" name="Content Placeholder 4">
             <a:extLst>
               <a:ext uri="{FF2B5EF4-FFF2-40B4-BE49-F238E27FC236}">
-                <a16:creationId xmlns:a16="http://schemas.microsoft.com/office/drawing/2014/main" id="{C69981E5-F1D2-9244-9482-C3E4BB9CCE1B}"/>
+                <a16:creationId xmlns:a16="http://schemas.microsoft.com/office/drawing/2014/main" id="{0B96C30D-D4E1-CE4E-BF2E-3997572F8484}"/>
               </a:ext>
             </a:extLst>
           </p:cNvPr>
-          <p:cNvSpPr>
-            <a:spLocks noGrp="1"/>
-          </p:cNvSpPr>
+          <p:cNvPicPr>
+            <a:picLocks noGrp="1" noChangeAspect="1"/>
+          </p:cNvPicPr>
           <p:nvPr>
             <p:ph idx="1"/>
           </p:nvPr>
-        </p:nvSpPr>
-        <p:spPr/>
-        <p:txBody>
-          <a:bodyPr/>
-          <a:lstStyle/>
-          <a:p>
-            <a:endParaRPr lang="en-US"/>
-          </a:p>
-        </p:txBody>
-      </p:sp>
+        </p:nvPicPr>
+        <p:blipFill>
+          <a:blip r:embed="rId2"/>
+          <a:stretch>
+            <a:fillRect/>
+          </a:stretch>
+        </p:blipFill>
+        <p:spPr>
+          <a:xfrm>
+            <a:off x="2742518" y="2016125"/>
+            <a:ext cx="7021288" cy="3449638"/>
+          </a:xfrm>
+        </p:spPr>
+      </p:pic>
     </p:spTree>
     <p:extLst>
       <p:ext uri="{BB962C8B-B14F-4D97-AF65-F5344CB8AC3E}">
@@ -4714,10 +4770,107 @@
         </p:nvSpPr>
         <p:spPr/>
         <p:txBody>
-          <a:bodyPr/>
-          <a:lstStyle/>
-          <a:p>
-            <a:endParaRPr lang="en-US"/>
+          <a:bodyPr>
+            <a:normAutofit lnSpcReduction="10000"/>
+          </a:bodyPr>
+          <a:lstStyle/>
+          <a:p>
+            <a:pPr marL="0" indent="0">
+              <a:buNone/>
+            </a:pPr>
+            <a:r>
+              <a:rPr lang="en-IN" dirty="0"/>
+              <a:t>     </a:t>
+            </a:r>
+            <a:r>
+              <a:rPr lang="en-IN" b="1" dirty="0"/>
+              <a:t>“ HELP  “</a:t>
+            </a:r>
+          </a:p>
+          <a:p>
+            <a:r>
+              <a:rPr lang="en-IN" dirty="0"/>
+              <a:t>The </a:t>
+            </a:r>
+            <a:r>
+              <a:rPr lang="en-IN" b="1" dirty="0"/>
+              <a:t>help</a:t>
+            </a:r>
+            <a:r>
+              <a:rPr lang="en-IN" dirty="0"/>
+              <a:t> command shows a short list of the commands built into the Bash shell itself.</a:t>
+            </a:r>
+          </a:p>
+          <a:p>
+            <a:pPr marL="0" indent="0">
+              <a:buNone/>
+            </a:pPr>
+            <a:r>
+              <a:rPr lang="en-IN" b="1" dirty="0"/>
+              <a:t>     “man”</a:t>
+            </a:r>
+          </a:p>
+          <a:p>
+            <a:r>
+              <a:rPr lang="en-IN" dirty="0"/>
+              <a:t>The </a:t>
+            </a:r>
+            <a:r>
+              <a:rPr lang="en-IN" b="1" dirty="0"/>
+              <a:t>man</a:t>
+            </a:r>
+            <a:r>
+              <a:rPr lang="en-IN" dirty="0"/>
+              <a:t> command shows detailed manuals for each command. These are referred to as “man pages.”</a:t>
+            </a:r>
+          </a:p>
+          <a:p>
+            <a:r>
+              <a:rPr lang="en-IN" dirty="0"/>
+              <a:t> For example, if you wanted to view the man page for the </a:t>
+            </a:r>
+            <a:r>
+              <a:rPr lang="en-IN" b="1" dirty="0" err="1"/>
+              <a:t>wget</a:t>
+            </a:r>
+            <a:r>
+              <a:rPr lang="en-IN" dirty="0"/>
+              <a:t> command, you’d type </a:t>
+            </a:r>
+            <a:r>
+              <a:rPr lang="en-IN" b="1" dirty="0"/>
+              <a:t>man </a:t>
+            </a:r>
+            <a:r>
+              <a:rPr lang="en-IN" b="1" dirty="0" err="1"/>
+              <a:t>wget</a:t>
+            </a:r>
+            <a:r>
+              <a:rPr lang="en-IN" dirty="0"/>
+              <a:t>. Man pages generally contain much more detailed information than you’ll get with the </a:t>
+            </a:r>
+            <a:r>
+              <a:rPr lang="en-IN" b="1" dirty="0"/>
+              <a:t>-h</a:t>
+            </a:r>
+            <a:r>
+              <a:rPr lang="en-IN" dirty="0"/>
+              <a:t> or </a:t>
+            </a:r>
+            <a:r>
+              <a:rPr lang="en-IN" b="1" dirty="0"/>
+              <a:t>–help</a:t>
+            </a:r>
+            <a:r>
+              <a:rPr lang="en-IN" dirty="0"/>
+              <a:t> options</a:t>
+            </a:r>
+          </a:p>
+          <a:p>
+            <a:endParaRPr lang="en-IN" dirty="0"/>
+          </a:p>
+          <a:p>
+            <a:endParaRPr lang="en-US" dirty="0"/>
           </a:p>
         </p:txBody>
       </p:sp>
@@ -4800,7 +4953,52 @@
           <a:bodyPr/>
           <a:lstStyle/>
           <a:p>
-            <a:endParaRPr lang="en-US"/>
+            <a:r>
+              <a:rPr lang="en-IN" dirty="0"/>
+              <a:t>Finding Out Where You Are with </a:t>
+            </a:r>
+            <a:r>
+              <a:rPr lang="en-IN" b="1" dirty="0"/>
+              <a:t>“ </a:t>
+            </a:r>
+            <a:r>
+              <a:rPr lang="en-IN" b="1" dirty="0" err="1"/>
+              <a:t>pwd</a:t>
+            </a:r>
+            <a:r>
+              <a:rPr lang="en-IN" b="1" dirty="0"/>
+              <a:t> “</a:t>
+            </a:r>
+          </a:p>
+          <a:p>
+            <a:r>
+              <a:rPr lang="en-IN" dirty="0"/>
+              <a:t>We can ask our server what files and directories are in the current directory with a command called ls.     </a:t>
+            </a:r>
+            <a:r>
+              <a:rPr lang="en-IN" b="1" dirty="0"/>
+              <a:t>“ ls “</a:t>
+            </a:r>
+          </a:p>
+          <a:p>
+            <a:r>
+              <a:rPr lang="en-IN" dirty="0"/>
+              <a:t>We can move around the file hierarchy by using the “ </a:t>
+            </a:r>
+            <a:r>
+              <a:rPr lang="en-IN" b="1" dirty="0"/>
+              <a:t>cd</a:t>
+            </a:r>
+            <a:r>
+              <a:rPr lang="en-IN" dirty="0"/>
+              <a:t> “command. This command stands for change directories.</a:t>
+            </a:r>
+          </a:p>
+          <a:p>
+            <a:endParaRPr lang="en-IN" b="1" dirty="0"/>
+          </a:p>
+          <a:p>
+            <a:endParaRPr lang="en-US" dirty="0"/>
           </a:p>
         </p:txBody>
       </p:sp>
@@ -4883,10 +5081,161 @@
           <a:bodyPr/>
           <a:lstStyle/>
           <a:p>
-            <a:endParaRPr lang="en-US"/>
-          </a:p>
-        </p:txBody>
-      </p:sp>
+            <a:r>
+              <a:rPr lang="en-IN" dirty="0"/>
+              <a:t>The “ </a:t>
+            </a:r>
+            <a:r>
+              <a:rPr lang="en-IN" b="1" dirty="0"/>
+              <a:t>touch ”</a:t>
+            </a:r>
+            <a:r>
+              <a:rPr lang="en-IN" dirty="0"/>
+              <a:t> command creates a new empty file.</a:t>
+            </a:r>
+          </a:p>
+          <a:p>
+            <a:endParaRPr lang="en-IN" dirty="0"/>
+          </a:p>
+          <a:p>
+            <a:r>
+              <a:rPr lang="en-IN" dirty="0"/>
+              <a:t>The “ </a:t>
+            </a:r>
+            <a:r>
+              <a:rPr lang="en-IN" dirty="0" err="1"/>
+              <a:t>mkdir</a:t>
+            </a:r>
+            <a:r>
+              <a:rPr lang="en-IN" dirty="0"/>
+              <a:t> ” command creates new directories. </a:t>
+            </a:r>
+          </a:p>
+          <a:p>
+            <a:endParaRPr lang="en-IN" dirty="0"/>
+          </a:p>
+          <a:p>
+            <a:r>
+              <a:rPr lang="en-IN" dirty="0"/>
+              <a:t>You can permanently remove files from the directory hierarchy with the </a:t>
+            </a:r>
+            <a:r>
+              <a:rPr lang="en-IN" b="1" dirty="0" err="1"/>
+              <a:t>rm</a:t>
+            </a:r>
+            <a:r>
+              <a:rPr lang="en-IN" dirty="0"/>
+              <a:t> command.</a:t>
+            </a:r>
+          </a:p>
+          <a:p>
+            <a:pPr lvl="7"/>
+            <a:endParaRPr lang="en-IN" dirty="0"/>
+          </a:p>
+          <a:p>
+            <a:pPr marL="0" indent="0">
+              <a:buNone/>
+            </a:pPr>
+            <a:endParaRPr lang="en-IN" dirty="0"/>
+          </a:p>
+          <a:p>
+            <a:endParaRPr lang="en-IN" dirty="0"/>
+          </a:p>
+          <a:p>
+            <a:endParaRPr lang="en-US" dirty="0"/>
+          </a:p>
+        </p:txBody>
+      </p:sp>
+      <p:pic>
+        <p:nvPicPr>
+          <p:cNvPr id="5" name="Picture 4">
+            <a:extLst>
+              <a:ext uri="{FF2B5EF4-FFF2-40B4-BE49-F238E27FC236}">
+                <a16:creationId xmlns:a16="http://schemas.microsoft.com/office/drawing/2014/main" id="{EE23745D-C1BA-F741-AD5E-9AD71CA64F9F}"/>
+              </a:ext>
+            </a:extLst>
+          </p:cNvPr>
+          <p:cNvPicPr>
+            <a:picLocks noChangeAspect="1"/>
+          </p:cNvPicPr>
+          <p:nvPr/>
+        </p:nvPicPr>
+        <p:blipFill>
+          <a:blip r:embed="rId2"/>
+          <a:stretch>
+            <a:fillRect/>
+          </a:stretch>
+        </p:blipFill>
+        <p:spPr>
+          <a:xfrm>
+            <a:off x="8053970" y="2047451"/>
+            <a:ext cx="2628900" cy="546100"/>
+          </a:xfrm>
+          <a:prstGeom prst="rect">
+            <a:avLst/>
+          </a:prstGeom>
+        </p:spPr>
+      </p:pic>
+      <p:pic>
+        <p:nvPicPr>
+          <p:cNvPr id="7" name="Picture 6">
+            <a:extLst>
+              <a:ext uri="{FF2B5EF4-FFF2-40B4-BE49-F238E27FC236}">
+                <a16:creationId xmlns:a16="http://schemas.microsoft.com/office/drawing/2014/main" id="{D7BFFF4C-335E-C54C-83B6-E25F86EEB475}"/>
+              </a:ext>
+            </a:extLst>
+          </p:cNvPr>
+          <p:cNvPicPr>
+            <a:picLocks noChangeAspect="1"/>
+          </p:cNvPicPr>
+          <p:nvPr/>
+        </p:nvPicPr>
+        <p:blipFill>
+          <a:blip r:embed="rId3"/>
+          <a:stretch>
+            <a:fillRect/>
+          </a:stretch>
+        </p:blipFill>
+        <p:spPr>
+          <a:xfrm>
+            <a:off x="7698370" y="2810710"/>
+            <a:ext cx="2984500" cy="495300"/>
+          </a:xfrm>
+          <a:prstGeom prst="rect">
+            <a:avLst/>
+          </a:prstGeom>
+        </p:spPr>
+      </p:pic>
+      <p:pic>
+        <p:nvPicPr>
+          <p:cNvPr id="9" name="Picture 8">
+            <a:extLst>
+              <a:ext uri="{FF2B5EF4-FFF2-40B4-BE49-F238E27FC236}">
+                <a16:creationId xmlns:a16="http://schemas.microsoft.com/office/drawing/2014/main" id="{B4C58472-472E-A94B-B7C9-1904FE5C360A}"/>
+              </a:ext>
+            </a:extLst>
+          </p:cNvPr>
+          <p:cNvPicPr>
+            <a:picLocks noChangeAspect="1"/>
+          </p:cNvPicPr>
+          <p:nvPr/>
+        </p:nvPicPr>
+        <p:blipFill>
+          <a:blip r:embed="rId4"/>
+          <a:stretch>
+            <a:fillRect/>
+          </a:stretch>
+        </p:blipFill>
+        <p:spPr>
+          <a:xfrm>
+            <a:off x="7533270" y="4638635"/>
+            <a:ext cx="3149600" cy="520700"/>
+          </a:xfrm>
+          <a:prstGeom prst="rect">
+            <a:avLst/>
+          </a:prstGeom>
+        </p:spPr>
+      </p:pic>
     </p:spTree>
     <p:extLst>
       <p:ext uri="{BB962C8B-B14F-4D97-AF65-F5344CB8AC3E}">
